--- a/presentation.pptx
+++ b/presentation.pptx
@@ -3097,6 +3097,30 @@
         <p:nvPr/>
       </p:nvGrpSpPr>
       <p:grpSpPr/>
+      <p:pic>
+        <p:nvPicPr>
+          <p:cNvPr id="4" name="Picture 3" descr="bg.jpg"/>
+          <p:cNvPicPr>
+            <a:picLocks noChangeAspect="1"/>
+          </p:cNvPicPr>
+          <p:nvPr/>
+        </p:nvPicPr>
+        <p:blipFill>
+          <a:blip r:embed="rId2"/>
+          <a:stretch>
+            <a:fillRect/>
+          </a:stretch>
+        </p:blipFill>
+        <p:spPr>
+          <a:xfrm>
+            <a:off x="0" y="0"/>
+            <a:ext cx="9144000" cy="6858000"/>
+          </a:xfrm>
+          <a:prstGeom prst="rect">
+            <a:avLst/>
+          </a:prstGeom>
+        </p:spPr>
+      </p:pic>
       <p:sp>
         <p:nvSpPr>
           <p:cNvPr id="2" name="Title 1"/>
@@ -3134,7 +3158,7 @@
           <a:lstStyle/>
           <a:p>
             <a:r>
-              <a:t>neel adwani</a:t>
+              <a:t>Neel Adwani</a:t>
             </a:r>
           </a:p>
         </p:txBody>
@@ -3194,7 +3218,7 @@
           <a:lstStyle/>
           <a:p>
             <a:r>
-              <a:t>my name is neel. i built presentquick. which is a tool that summarizes research. it also creates an automated presentation.</a:t>
+              <a:t>My name is Neel Adwani. I build seamless tools. I built this tool. I built QuickSesh, too.</a:t>
             </a:r>
           </a:p>
         </p:txBody>
@@ -3254,25 +3278,25 @@
           <a:lstStyle/>
           <a:p>
             <a:r>
-              <a:t>my name is neel </a:t>
+              <a:t>My name is Neel Adwani </a:t>
             </a:r>
           </a:p>
           <a:p>
             <a:pPr/>
             <a:r>
-              <a:t> i built presentquick </a:t>
+              <a:t> I build seamless tools </a:t>
             </a:r>
           </a:p>
           <a:p>
             <a:pPr/>
             <a:r>
-              <a:t> which is a tool that summarizes research </a:t>
+              <a:t> I built this tool </a:t>
             </a:r>
           </a:p>
           <a:p>
             <a:pPr/>
             <a:r>
-              <a:t> it also creates an automated presentation </a:t>
+              <a:t> I built QuickSesh, too </a:t>
             </a:r>
           </a:p>
         </p:txBody>
@@ -3332,25 +3356,25 @@
           <a:lstStyle/>
           <a:p>
             <a:r>
-              <a:t>my name is neel </a:t>
+              <a:t>My name is Neel Adwani </a:t>
             </a:r>
           </a:p>
           <a:p>
             <a:pPr/>
             <a:r>
-              <a:t> i built presentquick </a:t>
+              <a:t> I build seamless tools </a:t>
             </a:r>
           </a:p>
           <a:p>
             <a:pPr/>
             <a:r>
-              <a:t> which is a tool that summarizes research </a:t>
+              <a:t> I built this tool </a:t>
             </a:r>
           </a:p>
           <a:p>
             <a:pPr/>
             <a:r>
-              <a:t> it also creates an automated presentation </a:t>
+              <a:t> I built QuickSesh, too </a:t>
             </a:r>
           </a:p>
         </p:txBody>
@@ -3410,25 +3434,25 @@
           <a:lstStyle/>
           <a:p>
             <a:r>
-              <a:t>my name is neel </a:t>
+              <a:t>My name is Neel Adwani </a:t>
             </a:r>
           </a:p>
           <a:p>
             <a:pPr/>
             <a:r>
-              <a:t> i built presentquick </a:t>
+              <a:t> I build seamless tools </a:t>
             </a:r>
           </a:p>
           <a:p>
             <a:pPr/>
             <a:r>
-              <a:t> which is a tool that summarizes research </a:t>
+              <a:t> I built this tool </a:t>
             </a:r>
           </a:p>
           <a:p>
             <a:pPr/>
             <a:r>
-              <a:t> it also creates an automated presentation </a:t>
+              <a:t> I built QuickSesh, too </a:t>
             </a:r>
           </a:p>
         </p:txBody>
@@ -3488,25 +3512,25 @@
           <a:lstStyle/>
           <a:p>
             <a:r>
-              <a:t>my name is neel </a:t>
+              <a:t>My name is Neel Adwani </a:t>
             </a:r>
           </a:p>
           <a:p>
             <a:pPr/>
             <a:r>
-              <a:t> i built presentquick </a:t>
+              <a:t> I build seamless tools </a:t>
             </a:r>
           </a:p>
           <a:p>
             <a:pPr/>
             <a:r>
-              <a:t> which is a tool that summarizes research </a:t>
+              <a:t> I built this tool </a:t>
             </a:r>
           </a:p>
           <a:p>
             <a:pPr/>
             <a:r>
-              <a:t> it also creates an automated presentation </a:t>
+              <a:t> I built QuickSesh, too </a:t>
             </a:r>
           </a:p>
         </p:txBody>
@@ -3566,25 +3590,25 @@
           <a:lstStyle/>
           <a:p>
             <a:r>
-              <a:t>my name is neel </a:t>
+              <a:t>My name is Neel Adwani </a:t>
             </a:r>
           </a:p>
           <a:p>
             <a:pPr/>
             <a:r>
-              <a:t> i built presentquick </a:t>
+              <a:t> I build seamless tools </a:t>
             </a:r>
           </a:p>
           <a:p>
             <a:pPr/>
             <a:r>
-              <a:t> which is a tool that summarizes research </a:t>
+              <a:t> I built this tool </a:t>
             </a:r>
           </a:p>
           <a:p>
             <a:pPr/>
             <a:r>
-              <a:t> it also creates an automated presentation </a:t>
+              <a:t> I built QuickSesh, too </a:t>
             </a:r>
           </a:p>
         </p:txBody>
@@ -3644,25 +3668,25 @@
           <a:lstStyle/>
           <a:p>
             <a:r>
-              <a:t>my name is neel </a:t>
+              <a:t>My name is Neel Adwani </a:t>
             </a:r>
           </a:p>
           <a:p>
             <a:pPr/>
             <a:r>
-              <a:t> i built presentquick </a:t>
+              <a:t> I build seamless tools </a:t>
             </a:r>
           </a:p>
           <a:p>
             <a:pPr/>
             <a:r>
-              <a:t> which is a tool that summarizes research </a:t>
+              <a:t> I built this tool </a:t>
             </a:r>
           </a:p>
           <a:p>
             <a:pPr/>
             <a:r>
-              <a:t> it also creates an automated presentation </a:t>
+              <a:t> I built QuickSesh, too </a:t>
             </a:r>
           </a:p>
         </p:txBody>
@@ -3722,7 +3746,7 @@
           <a:lstStyle/>
           <a:p>
             <a:r>
-              <a:t>my name is neel. i built presentquick. which is a tool that summarizes research. it also creates an automated presentation.</a:t>
+              <a:t>My name is Neel Adwani. I build seamless tools. I built this tool. I built QuickSesh, too.</a:t>
             </a:r>
           </a:p>
         </p:txBody>
@@ -3782,7 +3806,7 @@
           <a:lstStyle/>
           <a:p>
             <a:r>
-              <a:t>my name is neel. i built presentquick. which is a tool that summarizes research. it also creates an automated presentation.</a:t>
+              <a:t>My name is Neel Adwani. I build seamless tools. I built this tool. I built QuickSesh, too.</a:t>
             </a:r>
           </a:p>
         </p:txBody>

--- a/presentation.pptx
+++ b/presentation.pptx
@@ -3181,6 +3181,30 @@
         <p:nvPr/>
       </p:nvGrpSpPr>
       <p:grpSpPr/>
+      <p:pic>
+        <p:nvPicPr>
+          <p:cNvPr id="4" name="Picture 3" descr="bg.jpg"/>
+          <p:cNvPicPr>
+            <a:picLocks noChangeAspect="1"/>
+          </p:cNvPicPr>
+          <p:nvPr/>
+        </p:nvPicPr>
+        <p:blipFill>
+          <a:blip r:embed="rId2"/>
+          <a:stretch>
+            <a:fillRect/>
+          </a:stretch>
+        </p:blipFill>
+        <p:spPr>
+          <a:xfrm>
+            <a:off x="0" y="0"/>
+            <a:ext cx="9144000" cy="6858000"/>
+          </a:xfrm>
+          <a:prstGeom prst="rect">
+            <a:avLst/>
+          </a:prstGeom>
+        </p:spPr>
+      </p:pic>
       <p:sp>
         <p:nvSpPr>
           <p:cNvPr id="2" name="Title 1"/>
@@ -3241,6 +3265,30 @@
         <p:nvPr/>
       </p:nvGrpSpPr>
       <p:grpSpPr/>
+      <p:pic>
+        <p:nvPicPr>
+          <p:cNvPr id="4" name="Picture 3" descr="bg.jpg"/>
+          <p:cNvPicPr>
+            <a:picLocks noChangeAspect="1"/>
+          </p:cNvPicPr>
+          <p:nvPr/>
+        </p:nvPicPr>
+        <p:blipFill>
+          <a:blip r:embed="rId2"/>
+          <a:stretch>
+            <a:fillRect/>
+          </a:stretch>
+        </p:blipFill>
+        <p:spPr>
+          <a:xfrm>
+            <a:off x="0" y="0"/>
+            <a:ext cx="9144000" cy="6858000"/>
+          </a:xfrm>
+          <a:prstGeom prst="rect">
+            <a:avLst/>
+          </a:prstGeom>
+        </p:spPr>
+      </p:pic>
       <p:sp>
         <p:nvSpPr>
           <p:cNvPr id="2" name="Title 1"/>
@@ -3319,6 +3367,30 @@
         <p:nvPr/>
       </p:nvGrpSpPr>
       <p:grpSpPr/>
+      <p:pic>
+        <p:nvPicPr>
+          <p:cNvPr id="4" name="Picture 3" descr="bg.jpg"/>
+          <p:cNvPicPr>
+            <a:picLocks noChangeAspect="1"/>
+          </p:cNvPicPr>
+          <p:nvPr/>
+        </p:nvPicPr>
+        <p:blipFill>
+          <a:blip r:embed="rId2"/>
+          <a:stretch>
+            <a:fillRect/>
+          </a:stretch>
+        </p:blipFill>
+        <p:spPr>
+          <a:xfrm>
+            <a:off x="0" y="0"/>
+            <a:ext cx="9144000" cy="6858000"/>
+          </a:xfrm>
+          <a:prstGeom prst="rect">
+            <a:avLst/>
+          </a:prstGeom>
+        </p:spPr>
+      </p:pic>
       <p:sp>
         <p:nvSpPr>
           <p:cNvPr id="2" name="Title 1"/>
@@ -3397,6 +3469,30 @@
         <p:nvPr/>
       </p:nvGrpSpPr>
       <p:grpSpPr/>
+      <p:pic>
+        <p:nvPicPr>
+          <p:cNvPr id="4" name="Picture 3" descr="bg.jpg"/>
+          <p:cNvPicPr>
+            <a:picLocks noChangeAspect="1"/>
+          </p:cNvPicPr>
+          <p:nvPr/>
+        </p:nvPicPr>
+        <p:blipFill>
+          <a:blip r:embed="rId2"/>
+          <a:stretch>
+            <a:fillRect/>
+          </a:stretch>
+        </p:blipFill>
+        <p:spPr>
+          <a:xfrm>
+            <a:off x="0" y="0"/>
+            <a:ext cx="9144000" cy="6858000"/>
+          </a:xfrm>
+          <a:prstGeom prst="rect">
+            <a:avLst/>
+          </a:prstGeom>
+        </p:spPr>
+      </p:pic>
       <p:sp>
         <p:nvSpPr>
           <p:cNvPr id="2" name="Title 1"/>
@@ -3475,6 +3571,30 @@
         <p:nvPr/>
       </p:nvGrpSpPr>
       <p:grpSpPr/>
+      <p:pic>
+        <p:nvPicPr>
+          <p:cNvPr id="4" name="Picture 3" descr="bg.jpg"/>
+          <p:cNvPicPr>
+            <a:picLocks noChangeAspect="1"/>
+          </p:cNvPicPr>
+          <p:nvPr/>
+        </p:nvPicPr>
+        <p:blipFill>
+          <a:blip r:embed="rId2"/>
+          <a:stretch>
+            <a:fillRect/>
+          </a:stretch>
+        </p:blipFill>
+        <p:spPr>
+          <a:xfrm>
+            <a:off x="0" y="0"/>
+            <a:ext cx="9144000" cy="6858000"/>
+          </a:xfrm>
+          <a:prstGeom prst="rect">
+            <a:avLst/>
+          </a:prstGeom>
+        </p:spPr>
+      </p:pic>
       <p:sp>
         <p:nvSpPr>
           <p:cNvPr id="2" name="Title 1"/>
@@ -3553,6 +3673,30 @@
         <p:nvPr/>
       </p:nvGrpSpPr>
       <p:grpSpPr/>
+      <p:pic>
+        <p:nvPicPr>
+          <p:cNvPr id="4" name="Picture 3" descr="bg.jpg"/>
+          <p:cNvPicPr>
+            <a:picLocks noChangeAspect="1"/>
+          </p:cNvPicPr>
+          <p:nvPr/>
+        </p:nvPicPr>
+        <p:blipFill>
+          <a:blip r:embed="rId2"/>
+          <a:stretch>
+            <a:fillRect/>
+          </a:stretch>
+        </p:blipFill>
+        <p:spPr>
+          <a:xfrm>
+            <a:off x="0" y="0"/>
+            <a:ext cx="9144000" cy="6858000"/>
+          </a:xfrm>
+          <a:prstGeom prst="rect">
+            <a:avLst/>
+          </a:prstGeom>
+        </p:spPr>
+      </p:pic>
       <p:sp>
         <p:nvSpPr>
           <p:cNvPr id="2" name="Title 1"/>
@@ -3631,6 +3775,30 @@
         <p:nvPr/>
       </p:nvGrpSpPr>
       <p:grpSpPr/>
+      <p:pic>
+        <p:nvPicPr>
+          <p:cNvPr id="4" name="Picture 3" descr="bg.jpg"/>
+          <p:cNvPicPr>
+            <a:picLocks noChangeAspect="1"/>
+          </p:cNvPicPr>
+          <p:nvPr/>
+        </p:nvPicPr>
+        <p:blipFill>
+          <a:blip r:embed="rId2"/>
+          <a:stretch>
+            <a:fillRect/>
+          </a:stretch>
+        </p:blipFill>
+        <p:spPr>
+          <a:xfrm>
+            <a:off x="0" y="0"/>
+            <a:ext cx="9144000" cy="6858000"/>
+          </a:xfrm>
+          <a:prstGeom prst="rect">
+            <a:avLst/>
+          </a:prstGeom>
+        </p:spPr>
+      </p:pic>
       <p:sp>
         <p:nvSpPr>
           <p:cNvPr id="2" name="Title 1"/>
@@ -3709,6 +3877,30 @@
         <p:nvPr/>
       </p:nvGrpSpPr>
       <p:grpSpPr/>
+      <p:pic>
+        <p:nvPicPr>
+          <p:cNvPr id="4" name="Picture 3" descr="bg.jpg"/>
+          <p:cNvPicPr>
+            <a:picLocks noChangeAspect="1"/>
+          </p:cNvPicPr>
+          <p:nvPr/>
+        </p:nvPicPr>
+        <p:blipFill>
+          <a:blip r:embed="rId2"/>
+          <a:stretch>
+            <a:fillRect/>
+          </a:stretch>
+        </p:blipFill>
+        <p:spPr>
+          <a:xfrm>
+            <a:off x="0" y="0"/>
+            <a:ext cx="9144000" cy="6858000"/>
+          </a:xfrm>
+          <a:prstGeom prst="rect">
+            <a:avLst/>
+          </a:prstGeom>
+        </p:spPr>
+      </p:pic>
       <p:sp>
         <p:nvSpPr>
           <p:cNvPr id="2" name="Title 1"/>
@@ -3769,6 +3961,30 @@
         <p:nvPr/>
       </p:nvGrpSpPr>
       <p:grpSpPr/>
+      <p:pic>
+        <p:nvPicPr>
+          <p:cNvPr id="4" name="Picture 3" descr="bg.jpg"/>
+          <p:cNvPicPr>
+            <a:picLocks noChangeAspect="1"/>
+          </p:cNvPicPr>
+          <p:nvPr/>
+        </p:nvPicPr>
+        <p:blipFill>
+          <a:blip r:embed="rId2"/>
+          <a:stretch>
+            <a:fillRect/>
+          </a:stretch>
+        </p:blipFill>
+        <p:spPr>
+          <a:xfrm>
+            <a:off x="0" y="0"/>
+            <a:ext cx="9144000" cy="6858000"/>
+          </a:xfrm>
+          <a:prstGeom prst="rect">
+            <a:avLst/>
+          </a:prstGeom>
+        </p:spPr>
+      </p:pic>
       <p:sp>
         <p:nvSpPr>
           <p:cNvPr id="2" name="Title 1"/>
